--- a/ppt/Recipe_Rover.pptx
+++ b/ppt/Recipe_Rover.pptx
@@ -256,7 +256,7 @@
   </p:defaultTextStyle>
   <p:extLst>
     <p:ext uri="{EFAFB233-063F-42B5-8137-9DF3F51BA10A}">
-      <p15:sldGuideLst xmlns:p15="http://schemas.microsoft.com/office/powerpoint/2012/main" xmlns="">
+      <p15:sldGuideLst xmlns="" xmlns:p15="http://schemas.microsoft.com/office/powerpoint/2012/main">
         <p15:guide id="1" orient="horz" pos="588" userDrawn="1">
           <p15:clr>
             <a:srgbClr val="A4A3A4"/>
@@ -275,7 +275,7 @@
       </p15:sldGuideLst>
     </p:ext>
     <p:ext uri="http://customooxmlschemas.google.com/">
-      <go:slidesCustomData xmlns:go="http://customooxmlschemas.google.com/" xmlns:p15="http://schemas.microsoft.com/office/powerpoint/2012/main" xmlns:p14="http://schemas.microsoft.com/office/powerpoint/2010/main" xmlns:com="http://schemas.openxmlformats.org/drawingml/2006/compatibility" xmlns:pvml="urn:schemas-microsoft-com:office:powerpoint" xmlns:v="urn:schemas-microsoft-com:vml" xmlns:o="urn:schemas-microsoft-com:office:office" xmlns:dgm="http://schemas.openxmlformats.org/drawingml/2006/diagram" xmlns:c="http://schemas.openxmlformats.org/drawingml/2006/chart" xmlns:mv="urn:schemas-microsoft-com:mac:vml" xmlns:mc="http://schemas.openxmlformats.org/markup-compatibility/2006" xmlns="" r:id="rId47" roundtripDataSignature="AMtx7miWNY2LB4ETJwrL8F0N+EK9hEhqUQ=="/>
+      <go:slidesCustomData xmlns="" xmlns:mc="http://schemas.openxmlformats.org/markup-compatibility/2006" xmlns:mv="urn:schemas-microsoft-com:mac:vml" xmlns:c="http://schemas.openxmlformats.org/drawingml/2006/chart" xmlns:dgm="http://schemas.openxmlformats.org/drawingml/2006/diagram" xmlns:o="urn:schemas-microsoft-com:office:office" xmlns:v="urn:schemas-microsoft-com:vml" xmlns:pvml="urn:schemas-microsoft-com:office:powerpoint" xmlns:com="http://schemas.openxmlformats.org/drawingml/2006/compatibility" xmlns:p14="http://schemas.microsoft.com/office/powerpoint/2010/main" xmlns:p15="http://schemas.microsoft.com/office/powerpoint/2012/main" xmlns:go="http://customooxmlschemas.google.com/" r:id="rId47" roundtripDataSignature="AMtx7miWNY2LB4ETJwrL8F0N+EK9hEhqUQ=="/>
     </p:ext>
   </p:extLst>
 </p:presentation>
@@ -628,7 +628,7 @@
     </p:spTree>
     <p:extLst>
       <p:ext uri="{BB962C8B-B14F-4D97-AF65-F5344CB8AC3E}">
-        <p14:creationId xmlns:p14="http://schemas.microsoft.com/office/powerpoint/2010/main" xmlns="" val="293080257"/>
+        <p14:creationId xmlns="" xmlns:p14="http://schemas.microsoft.com/office/powerpoint/2010/main" val="293080257"/>
       </p:ext>
     </p:extLst>
   </p:cSld>
@@ -953,7 +953,7 @@
     </p:spTree>
     <p:extLst>
       <p:ext uri="{BB962C8B-B14F-4D97-AF65-F5344CB8AC3E}">
-        <p14:creationId xmlns:p14="http://schemas.microsoft.com/office/powerpoint/2010/main" xmlns="" val="3736936248"/>
+        <p14:creationId xmlns="" xmlns:p14="http://schemas.microsoft.com/office/powerpoint/2010/main" val="3736936248"/>
       </p:ext>
     </p:extLst>
   </p:cSld>
@@ -1061,7 +1061,7 @@
     </p:spTree>
     <p:extLst>
       <p:ext uri="{BB962C8B-B14F-4D97-AF65-F5344CB8AC3E}">
-        <p14:creationId xmlns:p14="http://schemas.microsoft.com/office/powerpoint/2010/main" xmlns="" val="851770147"/>
+        <p14:creationId xmlns="" xmlns:p14="http://schemas.microsoft.com/office/powerpoint/2010/main" val="851770147"/>
       </p:ext>
     </p:extLst>
   </p:cSld>
@@ -1242,7 +1242,7 @@
     </p:spTree>
     <p:extLst>
       <p:ext uri="{BB962C8B-B14F-4D97-AF65-F5344CB8AC3E}">
-        <p14:creationId xmlns:p14="http://schemas.microsoft.com/office/powerpoint/2010/main" xmlns="" val="2419456755"/>
+        <p14:creationId xmlns="" xmlns:p14="http://schemas.microsoft.com/office/powerpoint/2010/main" val="2419456755"/>
       </p:ext>
     </p:extLst>
   </p:cSld>
@@ -1390,7 +1390,7 @@
     </p:spTree>
     <p:extLst>
       <p:ext uri="{BB962C8B-B14F-4D97-AF65-F5344CB8AC3E}">
-        <p14:creationId xmlns:p14="http://schemas.microsoft.com/office/powerpoint/2010/main" xmlns="" val="2385314571"/>
+        <p14:creationId xmlns="" xmlns:p14="http://schemas.microsoft.com/office/powerpoint/2010/main" val="2385314571"/>
       </p:ext>
     </p:extLst>
   </p:cSld>
@@ -1801,7 +1801,7 @@
     </p:spTree>
     <p:extLst>
       <p:ext uri="{BB962C8B-B14F-4D97-AF65-F5344CB8AC3E}">
-        <p14:creationId xmlns:p14="http://schemas.microsoft.com/office/powerpoint/2010/main" xmlns="" val="536418763"/>
+        <p14:creationId xmlns="" xmlns:p14="http://schemas.microsoft.com/office/powerpoint/2010/main" val="536418763"/>
       </p:ext>
     </p:extLst>
   </p:cSld>
@@ -1833,7 +1833,7 @@
           <p:cNvPr id="2" name="Title 1">
             <a:extLst>
               <a:ext uri="{FF2B5EF4-FFF2-40B4-BE49-F238E27FC236}">
-                <a16:creationId xmlns:a16="http://schemas.microsoft.com/office/drawing/2014/main" xmlns="" id="{BAEB20AF-DAB3-AF56-0E9E-AF09366E1C58}"/>
+                <a16:creationId xmlns="" xmlns:a16="http://schemas.microsoft.com/office/drawing/2014/main" id="{BAEB20AF-DAB3-AF56-0E9E-AF09366E1C58}"/>
               </a:ext>
             </a:extLst>
           </p:cNvPr>
@@ -1873,7 +1873,7 @@
           <p:cNvPr id="3" name="Subtitle 2">
             <a:extLst>
               <a:ext uri="{FF2B5EF4-FFF2-40B4-BE49-F238E27FC236}">
-                <a16:creationId xmlns:a16="http://schemas.microsoft.com/office/drawing/2014/main" xmlns="" id="{D4E94062-A8DA-FF94-75FB-627CFD210DDB}"/>
+                <a16:creationId xmlns="" xmlns:a16="http://schemas.microsoft.com/office/drawing/2014/main" id="{D4E94062-A8DA-FF94-75FB-627CFD210DDB}"/>
               </a:ext>
             </a:extLst>
           </p:cNvPr>
@@ -1946,7 +1946,7 @@
           <p:cNvPr id="4" name="Date Placeholder 3">
             <a:extLst>
               <a:ext uri="{FF2B5EF4-FFF2-40B4-BE49-F238E27FC236}">
-                <a16:creationId xmlns:a16="http://schemas.microsoft.com/office/drawing/2014/main" xmlns="" id="{977C2465-8FB6-450F-4CAF-67F82FD4C166}"/>
+                <a16:creationId xmlns="" xmlns:a16="http://schemas.microsoft.com/office/drawing/2014/main" id="{977C2465-8FB6-450F-4CAF-67F82FD4C166}"/>
               </a:ext>
             </a:extLst>
           </p:cNvPr>
@@ -1973,7 +1973,7 @@
             <a:fld id="{81BF06D3-496D-4060-A653-877D7024FA53}" type="datetime1">
               <a:rPr lang="en-IN" smtClean="0"/>
               <a:pPr/>
-              <a:t>19-01-2024</a:t>
+              <a:t>22-01-2024</a:t>
             </a:fld>
             <a:endParaRPr lang="en-US"/>
           </a:p>
@@ -1984,7 +1984,7 @@
           <p:cNvPr id="5" name="Footer Placeholder 4">
             <a:extLst>
               <a:ext uri="{FF2B5EF4-FFF2-40B4-BE49-F238E27FC236}">
-                <a16:creationId xmlns:a16="http://schemas.microsoft.com/office/drawing/2014/main" xmlns="" id="{D86C3B52-DF7D-6850-E242-C3F4757D8A64}"/>
+                <a16:creationId xmlns="" xmlns:a16="http://schemas.microsoft.com/office/drawing/2014/main" id="{D86C3B52-DF7D-6850-E242-C3F4757D8A64}"/>
               </a:ext>
             </a:extLst>
           </p:cNvPr>
@@ -2017,7 +2017,7 @@
           <p:cNvPr id="6" name="Slide Number Placeholder 5">
             <a:extLst>
               <a:ext uri="{FF2B5EF4-FFF2-40B4-BE49-F238E27FC236}">
-                <a16:creationId xmlns:a16="http://schemas.microsoft.com/office/drawing/2014/main" xmlns="" id="{105730AA-ACFB-BBDD-7AA3-8CDEE55C3F27}"/>
+                <a16:creationId xmlns="" xmlns:a16="http://schemas.microsoft.com/office/drawing/2014/main" id="{105730AA-ACFB-BBDD-7AA3-8CDEE55C3F27}"/>
               </a:ext>
             </a:extLst>
           </p:cNvPr>
@@ -2053,7 +2053,7 @@
     </p:spTree>
     <p:extLst>
       <p:ext uri="{BB962C8B-B14F-4D97-AF65-F5344CB8AC3E}">
-        <p14:creationId xmlns:p14="http://schemas.microsoft.com/office/powerpoint/2010/main" xmlns="" val="182341371"/>
+        <p14:creationId xmlns="" xmlns:p14="http://schemas.microsoft.com/office/powerpoint/2010/main" val="182341371"/>
       </p:ext>
     </p:extLst>
   </p:cSld>
@@ -7117,7 +7117,7 @@
           <p:cNvPr id="6" name="Rectangle 5">
             <a:extLst>
               <a:ext uri="{FF2B5EF4-FFF2-40B4-BE49-F238E27FC236}">
-                <a16:creationId xmlns:a16="http://schemas.microsoft.com/office/drawing/2014/main" xmlns="" id="{4DCED223-EF63-605A-08B3-3B52963FC6A6}"/>
+                <a16:creationId xmlns="" xmlns:a16="http://schemas.microsoft.com/office/drawing/2014/main" id="{4DCED223-EF63-605A-08B3-3B52963FC6A6}"/>
               </a:ext>
             </a:extLst>
           </p:cNvPr>
@@ -7181,7 +7181,7 @@
           <p:cNvPr id="9" name="Rectangle 8">
             <a:extLst>
               <a:ext uri="{FF2B5EF4-FFF2-40B4-BE49-F238E27FC236}">
-                <a16:creationId xmlns:a16="http://schemas.microsoft.com/office/drawing/2014/main" xmlns="" id="{FF9D9AD1-C7C2-FFF1-54BA-8514D18B8369}"/>
+                <a16:creationId xmlns="" xmlns:a16="http://schemas.microsoft.com/office/drawing/2014/main" id="{FF9D9AD1-C7C2-FFF1-54BA-8514D18B8369}"/>
               </a:ext>
             </a:extLst>
           </p:cNvPr>
@@ -7233,7 +7233,7 @@
           <p:cNvPr id="8" name="Picture 7">
             <a:extLst>
               <a:ext uri="{FF2B5EF4-FFF2-40B4-BE49-F238E27FC236}">
-                <a16:creationId xmlns:a16="http://schemas.microsoft.com/office/drawing/2014/main" xmlns="" id="{12055C93-3B68-7B2F-D1BC-57DBBDF9047B}"/>
+                <a16:creationId xmlns="" xmlns:a16="http://schemas.microsoft.com/office/drawing/2014/main" id="{12055C93-3B68-7B2F-D1BC-57DBBDF9047B}"/>
               </a:ext>
             </a:extLst>
           </p:cNvPr>
@@ -7262,7 +7262,7 @@
           <p:cNvPr id="13" name="Rectangle 12">
             <a:extLst>
               <a:ext uri="{FF2B5EF4-FFF2-40B4-BE49-F238E27FC236}">
-                <a16:creationId xmlns:a16="http://schemas.microsoft.com/office/drawing/2014/main" xmlns="" id="{327CC02B-8BB1-0D1C-2198-59015B45F89B}"/>
+                <a16:creationId xmlns="" xmlns:a16="http://schemas.microsoft.com/office/drawing/2014/main" id="{327CC02B-8BB1-0D1C-2198-59015B45F89B}"/>
               </a:ext>
             </a:extLst>
           </p:cNvPr>
@@ -8024,7 +8024,7 @@
   </p:txStyles>
   <p:extLst>
     <p:ext uri="{27BBF7A9-308A-43DC-89C8-2F10F3537804}">
-      <p15:sldGuideLst xmlns:p15="http://schemas.microsoft.com/office/powerpoint/2012/main" xmlns="">
+      <p15:sldGuideLst xmlns="" xmlns:p15="http://schemas.microsoft.com/office/powerpoint/2012/main">
         <p15:guide id="1" orient="horz" pos="1620" userDrawn="1">
           <p15:clr>
             <a:srgbClr val="F26B43"/>
@@ -8063,7 +8063,7 @@
           <p:cNvPr id="3" name="Picture 2">
             <a:extLst>
               <a:ext uri="{FF2B5EF4-FFF2-40B4-BE49-F238E27FC236}">
-                <a16:creationId xmlns:a16="http://schemas.microsoft.com/office/drawing/2014/main" xmlns="" id="{E15EB3E8-4D66-E74C-AA85-D6FA3DDF1FCB}"/>
+                <a16:creationId xmlns="" xmlns:a16="http://schemas.microsoft.com/office/drawing/2014/main" id="{E15EB3E8-4D66-E74C-AA85-D6FA3DDF1FCB}"/>
               </a:ext>
             </a:extLst>
           </p:cNvPr>
@@ -8093,7 +8093,7 @@
           <p:cNvPr id="2" name="TextBox 1">
             <a:extLst>
               <a:ext uri="{FF2B5EF4-FFF2-40B4-BE49-F238E27FC236}">
-                <a16:creationId xmlns:a16="http://schemas.microsoft.com/office/drawing/2014/main" xmlns="" id="{86E0006D-E6E5-1C29-48B1-80051C6B8CF6}"/>
+                <a16:creationId xmlns="" xmlns:a16="http://schemas.microsoft.com/office/drawing/2014/main" id="{86E0006D-E6E5-1C29-48B1-80051C6B8CF6}"/>
               </a:ext>
             </a:extLst>
           </p:cNvPr>
@@ -8133,7 +8133,7 @@
           <p:cNvPr id="5" name="Rectangle: Rounded Corners 4">
             <a:extLst>
               <a:ext uri="{FF2B5EF4-FFF2-40B4-BE49-F238E27FC236}">
-                <a16:creationId xmlns:a16="http://schemas.microsoft.com/office/drawing/2014/main" xmlns="" id="{1BFECF01-5B37-F500-F5BF-94F4716E2D91}"/>
+                <a16:creationId xmlns="" xmlns:a16="http://schemas.microsoft.com/office/drawing/2014/main" id="{1BFECF01-5B37-F500-F5BF-94F4716E2D91}"/>
               </a:ext>
             </a:extLst>
           </p:cNvPr>
@@ -8417,7 +8417,7 @@
           <p:cNvPr id="6" name="Group 5">
             <a:extLst>
               <a:ext uri="{FF2B5EF4-FFF2-40B4-BE49-F238E27FC236}">
-                <a16:creationId xmlns:a16="http://schemas.microsoft.com/office/drawing/2014/main" xmlns="" id="{EBB721ED-22E4-6DB0-5857-C0300ED9B39A}"/>
+                <a16:creationId xmlns="" xmlns:a16="http://schemas.microsoft.com/office/drawing/2014/main" id="{EBB721ED-22E4-6DB0-5857-C0300ED9B39A}"/>
               </a:ext>
             </a:extLst>
           </p:cNvPr>
@@ -8437,7 +8437,7 @@
             <p:cNvPr id="8" name="Google Shape;110;p4" descr="A close up of a sign&#10;&#10;Description automatically generated">
               <a:extLst>
                 <a:ext uri="{FF2B5EF4-FFF2-40B4-BE49-F238E27FC236}">
-                  <a16:creationId xmlns:a16="http://schemas.microsoft.com/office/drawing/2014/main" xmlns="" id="{C5DCF4E0-0C65-1FEB-0A76-8E20240537A0}"/>
+                  <a16:creationId xmlns="" xmlns:a16="http://schemas.microsoft.com/office/drawing/2014/main" id="{C5DCF4E0-0C65-1FEB-0A76-8E20240537A0}"/>
                 </a:ext>
               </a:extLst>
             </p:cNvPr>
@@ -8470,7 +8470,7 @@
             <p:cNvPr id="11" name="Picture 10">
               <a:extLst>
                 <a:ext uri="{FF2B5EF4-FFF2-40B4-BE49-F238E27FC236}">
-                  <a16:creationId xmlns:a16="http://schemas.microsoft.com/office/drawing/2014/main" xmlns="" id="{4954FDD9-FF0B-C2F3-8CBA-8430CF9EF277}"/>
+                  <a16:creationId xmlns="" xmlns:a16="http://schemas.microsoft.com/office/drawing/2014/main" id="{4954FDD9-FF0B-C2F3-8CBA-8430CF9EF277}"/>
                 </a:ext>
               </a:extLst>
             </p:cNvPr>
@@ -8499,7 +8499,7 @@
             <p:cNvPr id="15" name="Straight Connector 14">
               <a:extLst>
                 <a:ext uri="{FF2B5EF4-FFF2-40B4-BE49-F238E27FC236}">
-                  <a16:creationId xmlns:a16="http://schemas.microsoft.com/office/drawing/2014/main" xmlns="" id="{81703E3D-DC42-4972-13BC-75B3433F0AAC}"/>
+                  <a16:creationId xmlns="" xmlns:a16="http://schemas.microsoft.com/office/drawing/2014/main" id="{81703E3D-DC42-4972-13BC-75B3433F0AAC}"/>
                 </a:ext>
               </a:extLst>
             </p:cNvPr>
@@ -8544,7 +8544,7 @@
             <p:cNvPr id="18" name="Straight Connector 17">
               <a:extLst>
                 <a:ext uri="{FF2B5EF4-FFF2-40B4-BE49-F238E27FC236}">
-                  <a16:creationId xmlns:a16="http://schemas.microsoft.com/office/drawing/2014/main" xmlns="" id="{42864786-7EB9-0435-2B7E-A519DAC0B2C3}"/>
+                  <a16:creationId xmlns="" xmlns:a16="http://schemas.microsoft.com/office/drawing/2014/main" id="{42864786-7EB9-0435-2B7E-A519DAC0B2C3}"/>
                 </a:ext>
               </a:extLst>
             </p:cNvPr>
@@ -8589,7 +8589,7 @@
             <p:cNvPr id="20" name="Picture 19">
               <a:extLst>
                 <a:ext uri="{FF2B5EF4-FFF2-40B4-BE49-F238E27FC236}">
-                  <a16:creationId xmlns:a16="http://schemas.microsoft.com/office/drawing/2014/main" xmlns="" id="{4C1401D8-FA66-1261-CD90-51590003DB53}"/>
+                  <a16:creationId xmlns="" xmlns:a16="http://schemas.microsoft.com/office/drawing/2014/main" id="{4C1401D8-FA66-1261-CD90-51590003DB53}"/>
                 </a:ext>
               </a:extLst>
             </p:cNvPr>
@@ -8618,7 +8618,7 @@
             <p:cNvPr id="21" name="Straight Connector 20">
               <a:extLst>
                 <a:ext uri="{FF2B5EF4-FFF2-40B4-BE49-F238E27FC236}">
-                  <a16:creationId xmlns:a16="http://schemas.microsoft.com/office/drawing/2014/main" xmlns="" id="{A3B6D403-A251-4241-C8B1-03F239798137}"/>
+                  <a16:creationId xmlns="" xmlns:a16="http://schemas.microsoft.com/office/drawing/2014/main" id="{A3B6D403-A251-4241-C8B1-03F239798137}"/>
                 </a:ext>
               </a:extLst>
             </p:cNvPr>
@@ -8663,7 +8663,7 @@
             <p:cNvPr id="22" name="Picture 21" descr="A blue and black text&#10;&#10;Description automatically generated">
               <a:extLst>
                 <a:ext uri="{FF2B5EF4-FFF2-40B4-BE49-F238E27FC236}">
-                  <a16:creationId xmlns:a16="http://schemas.microsoft.com/office/drawing/2014/main" xmlns="" id="{7EE3A363-7C08-0337-B159-84F504E87478}"/>
+                  <a16:creationId xmlns="" xmlns:a16="http://schemas.microsoft.com/office/drawing/2014/main" id="{7EE3A363-7C08-0337-B159-84F504E87478}"/>
                 </a:ext>
               </a:extLst>
             </p:cNvPr>
@@ -8694,7 +8694,7 @@
           <p:cNvPr id="7" name="TextBox 6">
             <a:extLst>
               <a:ext uri="{FF2B5EF4-FFF2-40B4-BE49-F238E27FC236}">
-                <a16:creationId xmlns:a16="http://schemas.microsoft.com/office/drawing/2014/main" xmlns="" id="{5FD0626E-7FFA-F384-1DF5-056574800B20}"/>
+                <a16:creationId xmlns="" xmlns:a16="http://schemas.microsoft.com/office/drawing/2014/main" id="{5FD0626E-7FFA-F384-1DF5-056574800B20}"/>
               </a:ext>
             </a:extLst>
           </p:cNvPr>
@@ -8776,8 +8776,12 @@
           </a:p>
           <a:p>
             <a:r>
+              <a:rPr lang="en-US" smtClean="0"/>
+              <a:t>3.Shantosh </a:t>
+            </a:r>
+            <a:r>
               <a:rPr lang="en-US" dirty="0"/>
-              <a:t>3.Santhosh N</a:t>
+              <a:t>N</a:t>
             </a:r>
           </a:p>
           <a:p>
@@ -8825,7 +8829,7 @@
     </p:spTree>
     <p:extLst>
       <p:ext uri="{BB962C8B-B14F-4D97-AF65-F5344CB8AC3E}">
-        <p14:creationId xmlns:p14="http://schemas.microsoft.com/office/powerpoint/2010/main" xmlns="" val="2370717497"/>
+        <p14:creationId xmlns="" xmlns:p14="http://schemas.microsoft.com/office/powerpoint/2010/main" val="2370717497"/>
       </p:ext>
     </p:extLst>
   </p:cSld>
@@ -8857,7 +8861,7 @@
           <p:cNvPr id="2" name="Title 1">
             <a:extLst>
               <a:ext uri="{FF2B5EF4-FFF2-40B4-BE49-F238E27FC236}">
-                <a16:creationId xmlns:a16="http://schemas.microsoft.com/office/drawing/2014/main" xmlns="" id="{15E6545A-A71E-998F-6939-7CE2A36128CE}"/>
+                <a16:creationId xmlns="" xmlns:a16="http://schemas.microsoft.com/office/drawing/2014/main" id="{15E6545A-A71E-998F-6939-7CE2A36128CE}"/>
               </a:ext>
             </a:extLst>
           </p:cNvPr>
@@ -9005,7 +9009,7 @@
     </p:spTree>
     <p:extLst>
       <p:ext uri="{BB962C8B-B14F-4D97-AF65-F5344CB8AC3E}">
-        <p14:creationId xmlns:p14="http://schemas.microsoft.com/office/powerpoint/2010/main" xmlns="" val="1979684172"/>
+        <p14:creationId xmlns="" xmlns:p14="http://schemas.microsoft.com/office/powerpoint/2010/main" val="1979684172"/>
       </p:ext>
     </p:extLst>
   </p:cSld>
@@ -9037,7 +9041,7 @@
           <p:cNvPr id="2" name="Title 1">
             <a:extLst>
               <a:ext uri="{FF2B5EF4-FFF2-40B4-BE49-F238E27FC236}">
-                <a16:creationId xmlns:a16="http://schemas.microsoft.com/office/drawing/2014/main" xmlns="" id="{1FF90F4B-9803-CB1B-02A8-FB5D111C9F43}"/>
+                <a16:creationId xmlns="" xmlns:a16="http://schemas.microsoft.com/office/drawing/2014/main" id="{1FF90F4B-9803-CB1B-02A8-FB5D111C9F43}"/>
               </a:ext>
             </a:extLst>
           </p:cNvPr>
@@ -9166,7 +9170,7 @@
     </p:spTree>
     <p:extLst>
       <p:ext uri="{BB962C8B-B14F-4D97-AF65-F5344CB8AC3E}">
-        <p14:creationId xmlns:p14="http://schemas.microsoft.com/office/powerpoint/2010/main" xmlns="" val="2174784547"/>
+        <p14:creationId xmlns="" xmlns:p14="http://schemas.microsoft.com/office/powerpoint/2010/main" val="2174784547"/>
       </p:ext>
     </p:extLst>
   </p:cSld>
@@ -9198,7 +9202,7 @@
           <p:cNvPr id="2" name="Title 1">
             <a:extLst>
               <a:ext uri="{FF2B5EF4-FFF2-40B4-BE49-F238E27FC236}">
-                <a16:creationId xmlns:a16="http://schemas.microsoft.com/office/drawing/2014/main" xmlns="" id="{31F10A2C-122D-B694-9544-674D5B7F3F6D}"/>
+                <a16:creationId xmlns="" xmlns:a16="http://schemas.microsoft.com/office/drawing/2014/main" id="{31F10A2C-122D-B694-9544-674D5B7F3F6D}"/>
               </a:ext>
             </a:extLst>
           </p:cNvPr>
@@ -9365,7 +9369,7 @@
     </p:spTree>
     <p:extLst>
       <p:ext uri="{BB962C8B-B14F-4D97-AF65-F5344CB8AC3E}">
-        <p14:creationId xmlns:p14="http://schemas.microsoft.com/office/powerpoint/2010/main" xmlns="" val="705114264"/>
+        <p14:creationId xmlns="" xmlns:p14="http://schemas.microsoft.com/office/powerpoint/2010/main" val="705114264"/>
       </p:ext>
     </p:extLst>
   </p:cSld>
@@ -9397,7 +9401,7 @@
           <p:cNvPr id="2" name="Google Shape;61;g5fab984687_2_0">
             <a:extLst>
               <a:ext uri="{FF2B5EF4-FFF2-40B4-BE49-F238E27FC236}">
-                <a16:creationId xmlns:a16="http://schemas.microsoft.com/office/drawing/2014/main" xmlns="" id="{8D66D476-62A2-1223-50DE-D356C5F99B3C}"/>
+                <a16:creationId xmlns="" xmlns:a16="http://schemas.microsoft.com/office/drawing/2014/main" id="{8D66D476-62A2-1223-50DE-D356C5F99B3C}"/>
               </a:ext>
             </a:extLst>
           </p:cNvPr>
@@ -9673,7 +9677,7 @@
           <p:cNvPr id="3" name="Google Shape;62;g5fab984687_2_0">
             <a:extLst>
               <a:ext uri="{FF2B5EF4-FFF2-40B4-BE49-F238E27FC236}">
-                <a16:creationId xmlns:a16="http://schemas.microsoft.com/office/drawing/2014/main" xmlns="" id="{AE76DA37-EEF4-E854-985B-BBFC06857B90}"/>
+                <a16:creationId xmlns="" xmlns:a16="http://schemas.microsoft.com/office/drawing/2014/main" id="{AE76DA37-EEF4-E854-985B-BBFC06857B90}"/>
               </a:ext>
             </a:extLst>
           </p:cNvPr>
@@ -10009,9 +10013,20 @@
                 <a:cs typeface="Times New Roman"/>
                 <a:hlinkClick r:id="rId4"/>
               </a:rPr>
-              <a:t> Link</a:t>
-            </a:r>
-            <a:endParaRPr lang="en-US" b="0" strike="noStrike" spc="-1" dirty="0" smtClean="0">
+              <a:t> </a:t>
+            </a:r>
+            <a:r>
+              <a:rPr lang="en-US" b="0" strike="noStrike" spc="-1" dirty="0" smtClean="0">
+                <a:solidFill>
+                  <a:srgbClr val="0000FF"/>
+                </a:solidFill>
+                <a:latin typeface="+mn-lt"/>
+                <a:cs typeface="Times New Roman"/>
+                <a:hlinkClick r:id="rId4"/>
+              </a:rPr>
+              <a:t>Link</a:t>
+            </a:r>
+            <a:endParaRPr lang="en-US" spc="-1" dirty="0" smtClean="0">
               <a:solidFill>
                 <a:srgbClr val="0000FF"/>
               </a:solidFill>
@@ -10034,7 +10049,7 @@
               <a:buChar char="•"/>
             </a:pPr>
             <a:r>
-              <a:rPr lang="en-US" b="0" strike="noStrike" spc="-1" dirty="0" smtClean="0">
+              <a:rPr lang="en-US" spc="-1" dirty="0" smtClean="0">
                 <a:solidFill>
                   <a:srgbClr val="0000FF"/>
                 </a:solidFill>
@@ -10042,9 +10057,9 @@
                 <a:cs typeface="Times New Roman"/>
                 <a:hlinkClick r:id="rId5"/>
               </a:rPr>
-              <a:t>video</a:t>
-            </a:r>
-            <a:endParaRPr lang="en-US" b="0" strike="noStrike" spc="-1" dirty="0">
+              <a:t>Demo Video</a:t>
+            </a:r>
+            <a:endParaRPr lang="en-US" spc="-1" dirty="0" smtClean="0">
               <a:solidFill>
                 <a:srgbClr val="0000FF"/>
               </a:solidFill>
@@ -10057,13 +10072,20 @@
     </p:spTree>
     <p:extLst>
       <p:ext uri="{BB962C8B-B14F-4D97-AF65-F5344CB8AC3E}">
-        <p14:creationId xmlns:p14="http://schemas.microsoft.com/office/powerpoint/2010/main" xmlns="" val="3709190096"/>
+        <p14:creationId xmlns="" xmlns:p14="http://schemas.microsoft.com/office/powerpoint/2010/main" val="3709190096"/>
       </p:ext>
     </p:extLst>
   </p:cSld>
   <p:clrMapOvr>
     <a:masterClrMapping/>
   </p:clrMapOvr>
+  <p:timing>
+    <p:tnLst>
+      <p:par>
+        <p:cTn id="1" dur="indefinite" restart="never" nodeType="tmRoot"/>
+      </p:par>
+    </p:tnLst>
+  </p:timing>
 </p:sld>
 </file>
 
@@ -10089,7 +10111,7 @@
           <p:cNvPr id="3" name="Google Shape;62;g5fab984687_2_0">
             <a:extLst>
               <a:ext uri="{FF2B5EF4-FFF2-40B4-BE49-F238E27FC236}">
-                <a16:creationId xmlns:a16="http://schemas.microsoft.com/office/drawing/2014/main" xmlns="" id="{AE76DA37-EEF4-E854-985B-BBFC06857B90}"/>
+                <a16:creationId xmlns="" xmlns:a16="http://schemas.microsoft.com/office/drawing/2014/main" id="{AE76DA37-EEF4-E854-985B-BBFC06857B90}"/>
               </a:ext>
             </a:extLst>
           </p:cNvPr>
@@ -10360,13 +10382,20 @@
     </p:spTree>
     <p:extLst>
       <p:ext uri="{BB962C8B-B14F-4D97-AF65-F5344CB8AC3E}">
-        <p14:creationId xmlns:p14="http://schemas.microsoft.com/office/powerpoint/2010/main" xmlns="" val="1882378288"/>
+        <p14:creationId xmlns="" xmlns:p14="http://schemas.microsoft.com/office/powerpoint/2010/main" val="1882378288"/>
       </p:ext>
     </p:extLst>
   </p:cSld>
   <p:clrMapOvr>
     <a:masterClrMapping/>
   </p:clrMapOvr>
+  <p:timing>
+    <p:tnLst>
+      <p:par>
+        <p:cTn id="1" dur="indefinite" restart="never" nodeType="tmRoot"/>
+      </p:par>
+    </p:tnLst>
+  </p:timing>
 </p:sld>
 </file>
 
@@ -10392,7 +10421,7 @@
           <p:cNvPr id="1175" name="TextBox 1174">
             <a:extLst>
               <a:ext uri="{FF2B5EF4-FFF2-40B4-BE49-F238E27FC236}">
-                <a16:creationId xmlns:a16="http://schemas.microsoft.com/office/drawing/2014/main" xmlns="" id="{927410B5-1C26-2D39-1160-ABCF2EAFC484}"/>
+                <a16:creationId xmlns="" xmlns:a16="http://schemas.microsoft.com/office/drawing/2014/main" id="{927410B5-1C26-2D39-1160-ABCF2EAFC484}"/>
               </a:ext>
             </a:extLst>
           </p:cNvPr>
@@ -10437,7 +10466,7 @@
           <p:cNvPr id="4" name="TextBox 3">
             <a:extLst>
               <a:ext uri="{FF2B5EF4-FFF2-40B4-BE49-F238E27FC236}">
-                <a16:creationId xmlns:a16="http://schemas.microsoft.com/office/drawing/2014/main" xmlns="" id="{E1494DD5-904E-76E9-38C0-10A35CC5BDD0}"/>
+                <a16:creationId xmlns="" xmlns:a16="http://schemas.microsoft.com/office/drawing/2014/main" id="{E1494DD5-904E-76E9-38C0-10A35CC5BDD0}"/>
               </a:ext>
             </a:extLst>
           </p:cNvPr>
@@ -10627,7 +10656,7 @@
     </p:spTree>
     <p:extLst>
       <p:ext uri="{BB962C8B-B14F-4D97-AF65-F5344CB8AC3E}">
-        <p14:creationId xmlns:p14="http://schemas.microsoft.com/office/powerpoint/2010/main" xmlns="" val="125300455"/>
+        <p14:creationId xmlns="" xmlns:p14="http://schemas.microsoft.com/office/powerpoint/2010/main" val="125300455"/>
       </p:ext>
     </p:extLst>
   </p:cSld>
@@ -10659,7 +10688,7 @@
           <p:cNvPr id="2" name="Title 1">
             <a:extLst>
               <a:ext uri="{FF2B5EF4-FFF2-40B4-BE49-F238E27FC236}">
-                <a16:creationId xmlns:a16="http://schemas.microsoft.com/office/drawing/2014/main" xmlns="" id="{F6F78195-9B03-00E3-45B8-00FA85409CCC}"/>
+                <a16:creationId xmlns="" xmlns:a16="http://schemas.microsoft.com/office/drawing/2014/main" id="{F6F78195-9B03-00E3-45B8-00FA85409CCC}"/>
               </a:ext>
             </a:extLst>
           </p:cNvPr>
@@ -10839,7 +10868,7 @@
     </p:spTree>
     <p:extLst>
       <p:ext uri="{BB962C8B-B14F-4D97-AF65-F5344CB8AC3E}">
-        <p14:creationId xmlns:p14="http://schemas.microsoft.com/office/powerpoint/2010/main" xmlns="" val="49215490"/>
+        <p14:creationId xmlns="" xmlns:p14="http://schemas.microsoft.com/office/powerpoint/2010/main" val="49215490"/>
       </p:ext>
     </p:extLst>
   </p:cSld>
@@ -10871,7 +10900,7 @@
           <p:cNvPr id="2" name="Title 1">
             <a:extLst>
               <a:ext uri="{FF2B5EF4-FFF2-40B4-BE49-F238E27FC236}">
-                <a16:creationId xmlns:a16="http://schemas.microsoft.com/office/drawing/2014/main" xmlns="" id="{0CD2E813-CB30-52BE-482F-A822E8D42EA5}"/>
+                <a16:creationId xmlns="" xmlns:a16="http://schemas.microsoft.com/office/drawing/2014/main" id="{0CD2E813-CB30-52BE-482F-A822E8D42EA5}"/>
               </a:ext>
             </a:extLst>
           </p:cNvPr>
@@ -11090,7 +11119,7 @@
     </p:spTree>
     <p:extLst>
       <p:ext uri="{BB962C8B-B14F-4D97-AF65-F5344CB8AC3E}">
-        <p14:creationId xmlns:p14="http://schemas.microsoft.com/office/powerpoint/2010/main" xmlns="" val="3401695990"/>
+        <p14:creationId xmlns="" xmlns:p14="http://schemas.microsoft.com/office/powerpoint/2010/main" val="3401695990"/>
       </p:ext>
     </p:extLst>
   </p:cSld>
@@ -11122,7 +11151,7 @@
           <p:cNvPr id="2" name="Title 1">
             <a:extLst>
               <a:ext uri="{FF2B5EF4-FFF2-40B4-BE49-F238E27FC236}">
-                <a16:creationId xmlns:a16="http://schemas.microsoft.com/office/drawing/2014/main" xmlns="" id="{06DDBB60-3489-C70E-E0A6-2C0A7BC9946D}"/>
+                <a16:creationId xmlns="" xmlns:a16="http://schemas.microsoft.com/office/drawing/2014/main" id="{06DDBB60-3489-C70E-E0A6-2C0A7BC9946D}"/>
               </a:ext>
             </a:extLst>
           </p:cNvPr>
@@ -11257,7 +11286,7 @@
     </p:spTree>
     <p:extLst>
       <p:ext uri="{BB962C8B-B14F-4D97-AF65-F5344CB8AC3E}">
-        <p14:creationId xmlns:p14="http://schemas.microsoft.com/office/powerpoint/2010/main" xmlns="" val="2773291783"/>
+        <p14:creationId xmlns="" xmlns:p14="http://schemas.microsoft.com/office/powerpoint/2010/main" val="2773291783"/>
       </p:ext>
     </p:extLst>
   </p:cSld>
@@ -11450,7 +11479,7 @@
           <p:cNvPr id="2" name="Title 1">
             <a:extLst>
               <a:ext uri="{FF2B5EF4-FFF2-40B4-BE49-F238E27FC236}">
-                <a16:creationId xmlns:a16="http://schemas.microsoft.com/office/drawing/2014/main" xmlns="" id="{A95745DE-B712-F06B-67FA-D3D7D6FBF5DF}"/>
+                <a16:creationId xmlns="" xmlns:a16="http://schemas.microsoft.com/office/drawing/2014/main" id="{A95745DE-B712-F06B-67FA-D3D7D6FBF5DF}"/>
               </a:ext>
             </a:extLst>
           </p:cNvPr>
@@ -11647,7 +11676,7 @@
     </p:spTree>
     <p:extLst>
       <p:ext uri="{BB962C8B-B14F-4D97-AF65-F5344CB8AC3E}">
-        <p14:creationId xmlns:p14="http://schemas.microsoft.com/office/powerpoint/2010/main" xmlns="" val="3754400922"/>
+        <p14:creationId xmlns="" xmlns:p14="http://schemas.microsoft.com/office/powerpoint/2010/main" val="3754400922"/>
       </p:ext>
     </p:extLst>
   </p:cSld>
@@ -11679,7 +11708,7 @@
           <p:cNvPr id="3" name="Title 4">
             <a:extLst>
               <a:ext uri="{FF2B5EF4-FFF2-40B4-BE49-F238E27FC236}">
-                <a16:creationId xmlns:a16="http://schemas.microsoft.com/office/drawing/2014/main" xmlns="" id="{6AB8DAF2-B141-0C0D-4015-6BE8A25CFFD1}"/>
+                <a16:creationId xmlns="" xmlns:a16="http://schemas.microsoft.com/office/drawing/2014/main" id="{6AB8DAF2-B141-0C0D-4015-6BE8A25CFFD1}"/>
               </a:ext>
             </a:extLst>
           </p:cNvPr>
@@ -11841,7 +11870,7 @@
     </p:spTree>
     <p:extLst>
       <p:ext uri="{BB962C8B-B14F-4D97-AF65-F5344CB8AC3E}">
-        <p14:creationId xmlns:p14="http://schemas.microsoft.com/office/powerpoint/2010/main" xmlns="" val="167368147"/>
+        <p14:creationId xmlns="" xmlns:p14="http://schemas.microsoft.com/office/powerpoint/2010/main" val="167368147"/>
       </p:ext>
     </p:extLst>
   </p:cSld>
@@ -11873,7 +11902,7 @@
           <p:cNvPr id="2" name="Title 1">
             <a:extLst>
               <a:ext uri="{FF2B5EF4-FFF2-40B4-BE49-F238E27FC236}">
-                <a16:creationId xmlns:a16="http://schemas.microsoft.com/office/drawing/2014/main" xmlns="" id="{E2178E5F-86A5-ECAF-68D6-5878ABFD3AED}"/>
+                <a16:creationId xmlns="" xmlns:a16="http://schemas.microsoft.com/office/drawing/2014/main" id="{E2178E5F-86A5-ECAF-68D6-5878ABFD3AED}"/>
               </a:ext>
             </a:extLst>
           </p:cNvPr>
@@ -12046,7 +12075,7 @@
     </p:spTree>
     <p:extLst>
       <p:ext uri="{BB962C8B-B14F-4D97-AF65-F5344CB8AC3E}">
-        <p14:creationId xmlns:p14="http://schemas.microsoft.com/office/powerpoint/2010/main" xmlns="" val="2761987883"/>
+        <p14:creationId xmlns="" xmlns:p14="http://schemas.microsoft.com/office/powerpoint/2010/main" val="2761987883"/>
       </p:ext>
     </p:extLst>
   </p:cSld>
@@ -12619,11 +12648,12 @@
 </file>
 
 <file path=customXml/item1.xml><?xml version="1.0" encoding="utf-8"?>
-<p:properties xmlns:p="http://schemas.microsoft.com/office/2006/metadata/properties" xmlns:xsi="http://www.w3.org/2001/XMLSchema-instance" xmlns:pc="http://schemas.microsoft.com/office/infopath/2007/PartnerControls">
-  <documentManagement>
-    <_activity xmlns="9162bd5b-4ed9-4da3-b376-05204580ba3f" xsi:nil="true"/>
-  </documentManagement>
-</p:properties>
+<?mso-contentType ?>
+<FormTemplates xmlns="http://schemas.microsoft.com/sharepoint/v3/contenttype/forms">
+  <Display>DocumentLibraryForm</Display>
+  <Edit>DocumentLibraryForm</Edit>
+  <New>DocumentLibraryForm</New>
+</FormTemplates>
 </file>
 
 <file path=customXml/item2.xml><?xml version="1.0" encoding="utf-8"?>
@@ -12862,22 +12892,17 @@
 </file>
 
 <file path=customXml/item3.xml><?xml version="1.0" encoding="utf-8"?>
-<?mso-contentType ?>
-<FormTemplates xmlns="http://schemas.microsoft.com/sharepoint/v3/contenttype/forms">
-  <Display>DocumentLibraryForm</Display>
-  <Edit>DocumentLibraryForm</Edit>
-  <New>DocumentLibraryForm</New>
-</FormTemplates>
+<p:properties xmlns:p="http://schemas.microsoft.com/office/2006/metadata/properties" xmlns:xsi="http://www.w3.org/2001/XMLSchema-instance" xmlns:pc="http://schemas.microsoft.com/office/infopath/2007/PartnerControls">
+  <documentManagement>
+    <_activity xmlns="9162bd5b-4ed9-4da3-b376-05204580ba3f" xsi:nil="true"/>
+  </documentManagement>
+</p:properties>
 </file>
 
 <file path=customXml/itemProps1.xml><?xml version="1.0" encoding="utf-8"?>
-<ds:datastoreItem xmlns:ds="http://schemas.openxmlformats.org/officeDocument/2006/customXml" ds:itemID="{A6559A34-456E-49A1-8157-9E3D18BFAD36}">
+<ds:datastoreItem xmlns:ds="http://schemas.openxmlformats.org/officeDocument/2006/customXml" ds:itemID="{3706AB80-2608-47D7-8AC8-FA6BC8A9B27C}">
   <ds:schemaRefs>
-    <ds:schemaRef ds:uri="http://schemas.microsoft.com/office/2006/metadata/properties"/>
-    <ds:schemaRef ds:uri="http://www.w3.org/2000/xmlns/"/>
-    <ds:schemaRef ds:uri="9162bd5b-4ed9-4da3-b376-05204580ba3f"/>
-    <ds:schemaRef ds:uri="http://www.w3.org/2001/XMLSchema-instance"/>
-    <ds:schemaRef ds:uri="http://schemas.microsoft.com/office/infopath/2007/PartnerControls"/>
+    <ds:schemaRef ds:uri="http://schemas.microsoft.com/sharepoint/v3/contenttype/forms"/>
   </ds:schemaRefs>
 </ds:datastoreItem>
 </file>
@@ -12903,9 +12928,13 @@
 </file>
 
 <file path=customXml/itemProps3.xml><?xml version="1.0" encoding="utf-8"?>
-<ds:datastoreItem xmlns:ds="http://schemas.openxmlformats.org/officeDocument/2006/customXml" ds:itemID="{3706AB80-2608-47D7-8AC8-FA6BC8A9B27C}">
+<ds:datastoreItem xmlns:ds="http://schemas.openxmlformats.org/officeDocument/2006/customXml" ds:itemID="{A6559A34-456E-49A1-8157-9E3D18BFAD36}">
   <ds:schemaRefs>
-    <ds:schemaRef ds:uri="http://schemas.microsoft.com/sharepoint/v3/contenttype/forms"/>
+    <ds:schemaRef ds:uri="http://schemas.microsoft.com/office/2006/metadata/properties"/>
+    <ds:schemaRef ds:uri="http://www.w3.org/2000/xmlns/"/>
+    <ds:schemaRef ds:uri="9162bd5b-4ed9-4da3-b376-05204580ba3f"/>
+    <ds:schemaRef ds:uri="http://www.w3.org/2001/XMLSchema-instance"/>
+    <ds:schemaRef ds:uri="http://schemas.microsoft.com/office/infopath/2007/PartnerControls"/>
   </ds:schemaRefs>
 </ds:datastoreItem>
 </file>